--- a/Лекции/ИТиП лек 2.pptx
+++ b/Лекции/ИТиП лек 2.pptx
@@ -253,7 +253,7 @@
             <a:fld id="{AA2F9473-F066-431E-A6E8-1D478C995A6B}" type="datetimeFigureOut">
               <a:rPr lang="en-US" smtClean="0"/>
               <a:pPr/>
-              <a:t>4/23/2025</a:t>
+              <a:t>4/30/2025</a:t>
             </a:fld>
             <a:endParaRPr lang="en-US"/>
           </a:p>
@@ -31897,16 +31897,7 @@
                 </a:solidFill>
                 <a:latin typeface="Consolas" panose="020B0609020204030204" pitchFamily="49" charset="0"/>
               </a:rPr>
-              <a:t>строго от </a:t>
-            </a:r>
-            <a:r>
-              <a:rPr lang="ru-RU" sz="2400" dirty="0">
-                <a:solidFill>
-                  <a:srgbClr val="008000"/>
-                </a:solidFill>
-                <a:latin typeface="Consolas" panose="020B0609020204030204" pitchFamily="49" charset="0"/>
-              </a:rPr>
-              <a:t>0 </a:t>
+              <a:t>строго от 0 </a:t>
             </a:r>
             <a:r>
               <a:rPr lang="ru-RU" sz="2400" dirty="0" smtClean="0">
@@ -35655,8 +35646,8 @@
         </p:nvSpPr>
         <p:spPr>
           <a:xfrm>
-            <a:off x="300446" y="111816"/>
-            <a:ext cx="11434354" cy="6186309"/>
+            <a:off x="0" y="0"/>
+            <a:ext cx="12192000" cy="6186309"/>
           </a:xfrm>
           <a:prstGeom prst="rect">
             <a:avLst/>
@@ -35664,7 +35655,7 @@
           <a:noFill/>
         </p:spPr>
         <p:txBody>
-          <a:bodyPr wrap="square">
+          <a:bodyPr wrap="square" lIns="360000" rIns="360000">
             <a:spAutoFit/>
           </a:bodyPr>
           <a:lstStyle/>
